--- a/Examples/Data/Charts/AutomaticColor_out.pptx
+++ b/Examples/Data/Charts/AutomaticColor_out.pptx
@@ -1,6 +1,6 @@
 
 <file path=ppt/presentation.xml><?xml version="1.0" encoding="utf-8"?>
-<!--Generated by Aspose.Slides for .NET 19.6-->
+<!--Generated by Aspose.Slides for .NET 21.12-->
 <p:presentation xmlns:r="http://schemas.openxmlformats.org/officeDocument/2006/relationships" xmlns:a="http://schemas.openxmlformats.org/drawingml/2006/main" xmlns:p="http://schemas.openxmlformats.org/presentationml/2006/main" saveSubsetFonts="1">
   <p:sldMasterIdLst>
     <p:sldMasterId id="2147483648" r:id="rId1"/>
@@ -112,7 +112,7 @@
 </file>
 
 <file path=ppt/charts/chart1.xml><?xml version="1.0" encoding="utf-8"?>
-<c:chartSpace xmlns:a="http://schemas.openxmlformats.org/drawingml/2006/main" xmlns:r="http://schemas.openxmlformats.org/officeDocument/2006/relationships" xmlns:c="http://schemas.openxmlformats.org/drawingml/2006/chart">
+<c:chartSpace xmlns:a="http://schemas.openxmlformats.org/drawingml/2006/main" xmlns:r="http://schemas.openxmlformats.org/officeDocument/2006/relationships" xmlns:m="http://schemas.openxmlformats.org/officeDocument/2006/math" xmlns:w="http://schemas.openxmlformats.org/wordprocessingml/2006/main" xmlns:wp="http://schemas.openxmlformats.org/drawingml/2006/wordprocessingDrawing" xmlns:a14="http://schemas.microsoft.com/office/drawing/2010/main" xmlns:c="http://schemas.openxmlformats.org/drawingml/2006/chart">
   <c:date1904 val="0"/>
   <c:lang val="ru-RU"/>
   <c:roundedCorners val="0"/>
@@ -305,11 +305,11 @@
 </file>
 
 <file path=ppt/slideLayouts/slideLayout1.xml><?xml version="1.0" encoding="utf-8"?>
-<p:sldLayout xmlns:a="http://schemas.openxmlformats.org/drawingml/2006/main" xmlns:r="http://schemas.openxmlformats.org/officeDocument/2006/relationships" xmlns:p14="http://schemas.microsoft.com/office/powerpoint/2010/main" xmlns:a14="http://schemas.microsoft.com/office/drawing/2010/main" xmlns:p15="http://schemas.microsoft.com/office/powerpoint/2012/main" xmlns:p159="http://schemas.microsoft.com/office/powerpoint/2015/09/main" xmlns:p="http://schemas.openxmlformats.org/presentationml/2006/main" type="title" preserve="1">
+<p:sldLayout xmlns:a="http://schemas.openxmlformats.org/drawingml/2006/main" xmlns:r="http://schemas.openxmlformats.org/officeDocument/2006/relationships" xmlns:m="http://schemas.openxmlformats.org/officeDocument/2006/math" xmlns:w="http://schemas.openxmlformats.org/wordprocessingml/2006/main" xmlns:wp="http://schemas.openxmlformats.org/drawingml/2006/wordprocessingDrawing" xmlns:a14="http://schemas.microsoft.com/office/drawing/2010/main" xmlns:mc="http://schemas.openxmlformats.org/markup-compatibility/2006" xmlns:p14="http://schemas.microsoft.com/office/powerpoint/2010/main" xmlns:p15="http://schemas.microsoft.com/office/powerpoint/2012/main" xmlns:p159="http://schemas.microsoft.com/office/powerpoint/2015/09/main" xmlns:p="http://schemas.openxmlformats.org/presentationml/2006/main" type="title" preserve="1">
   <p:cSld name="Title Slide">
     <p:spTree>
       <p:nvGrpSpPr>
-        <p:cNvPr id="1" name=""/>
+        <p:cNvPr id="1" name="" title=""/>
         <p:cNvGrpSpPr/>
         <p:nvPr/>
       </p:nvGrpSpPr>
@@ -321,7 +321,7 @@
       </p:grpSpPr>
       <p:sp>
         <p:nvSpPr>
-          <p:cNvPr id="2" name="Title 1"/>
+          <p:cNvPr id="2" name="Title 1" title=""/>
           <p:cNvSpPr>
             <a:spLocks noGrp="1"/>
           </p:cNvSpPr>
@@ -344,7 +344,7 @@
       </p:sp>
       <p:sp>
         <p:nvSpPr>
-          <p:cNvPr id="3" name="Subtitle 2"/>
+          <p:cNvPr id="3" name="Subtitle 2" title=""/>
           <p:cNvSpPr>
             <a:spLocks noGrp="1"/>
           </p:cNvSpPr>
@@ -458,7 +458,7 @@
       </p:sp>
       <p:sp>
         <p:nvSpPr>
-          <p:cNvPr id="4" name="Date Placeholder 3"/>
+          <p:cNvPr id="4" name="Date Placeholder 3" title=""/>
           <p:cNvSpPr>
             <a:spLocks noGrp="1"/>
           </p:cNvSpPr>
@@ -471,7 +471,7 @@
           <a:bodyPr/>
           <a:lstStyle/>
           <a:p>
-            <a:fld id="{59D63FC1-BFD8-40A6-86BD-84532D930DB3}" type="datetimeFigureOut">
+            <a:fld id="{51F113E5-80E7-4BF3-9DB0-3DED450E6800}" type="datetimeFigureOut">
               <a:rPr lang="en-US" smtClean="0"/>
               <a:t>11/7/2009</a:t>
             </a:fld>
@@ -481,7 +481,7 @@
       </p:sp>
       <p:sp>
         <p:nvSpPr>
-          <p:cNvPr id="5" name="Footer Placeholder 4"/>
+          <p:cNvPr id="5" name="Footer Placeholder 4" title=""/>
           <p:cNvSpPr>
             <a:spLocks noGrp="1"/>
           </p:cNvSpPr>
@@ -500,7 +500,7 @@
       </p:sp>
       <p:sp>
         <p:nvSpPr>
-          <p:cNvPr id="6" name="Slide Number Placeholder 5"/>
+          <p:cNvPr id="6" name="Slide Number Placeholder 5" title=""/>
           <p:cNvSpPr>
             <a:spLocks noGrp="1"/>
           </p:cNvSpPr>
@@ -532,11 +532,11 @@
 </file>
 
 <file path=ppt/slideLayouts/slideLayout10.xml><?xml version="1.0" encoding="utf-8"?>
-<p:sldLayout xmlns:a="http://schemas.openxmlformats.org/drawingml/2006/main" xmlns:r="http://schemas.openxmlformats.org/officeDocument/2006/relationships" xmlns:p14="http://schemas.microsoft.com/office/powerpoint/2010/main" xmlns:a14="http://schemas.microsoft.com/office/drawing/2010/main" xmlns:p15="http://schemas.microsoft.com/office/powerpoint/2012/main" xmlns:p159="http://schemas.microsoft.com/office/powerpoint/2015/09/main" xmlns:p="http://schemas.openxmlformats.org/presentationml/2006/main" type="vertTx" preserve="1">
+<p:sldLayout xmlns:a="http://schemas.openxmlformats.org/drawingml/2006/main" xmlns:r="http://schemas.openxmlformats.org/officeDocument/2006/relationships" xmlns:m="http://schemas.openxmlformats.org/officeDocument/2006/math" xmlns:w="http://schemas.openxmlformats.org/wordprocessingml/2006/main" xmlns:wp="http://schemas.openxmlformats.org/drawingml/2006/wordprocessingDrawing" xmlns:a14="http://schemas.microsoft.com/office/drawing/2010/main" xmlns:mc="http://schemas.openxmlformats.org/markup-compatibility/2006" xmlns:p14="http://schemas.microsoft.com/office/powerpoint/2010/main" xmlns:p15="http://schemas.microsoft.com/office/powerpoint/2012/main" xmlns:p159="http://schemas.microsoft.com/office/powerpoint/2015/09/main" xmlns:p="http://schemas.openxmlformats.org/presentationml/2006/main" type="vertTx" preserve="1">
   <p:cSld name="Title and Vertical Text">
     <p:spTree>
       <p:nvGrpSpPr>
-        <p:cNvPr id="1" name=""/>
+        <p:cNvPr id="1" name="" title=""/>
         <p:cNvGrpSpPr/>
         <p:nvPr/>
       </p:nvGrpSpPr>
@@ -548,7 +548,7 @@
       </p:grpSpPr>
       <p:sp>
         <p:nvSpPr>
-          <p:cNvPr id="2" name="Title 1"/>
+          <p:cNvPr id="2" name="Title 1" title=""/>
           <p:cNvSpPr>
             <a:spLocks noGrp="1"/>
           </p:cNvSpPr>
@@ -571,7 +571,7 @@
       </p:sp>
       <p:sp>
         <p:nvSpPr>
-          <p:cNvPr id="3" name="Vertical Text Placeholder 2"/>
+          <p:cNvPr id="3" name="Vertical Text Placeholder 2" title=""/>
           <p:cNvSpPr>
             <a:spLocks noGrp="1"/>
           </p:cNvSpPr>
@@ -622,7 +622,7 @@
       </p:sp>
       <p:sp>
         <p:nvSpPr>
-          <p:cNvPr id="4" name="Date Placeholder 3"/>
+          <p:cNvPr id="4" name="Date Placeholder 3" title=""/>
           <p:cNvSpPr>
             <a:spLocks noGrp="1"/>
           </p:cNvSpPr>
@@ -635,7 +635,7 @@
           <a:bodyPr/>
           <a:lstStyle/>
           <a:p>
-            <a:fld id="{352E609A-9AC9-4A41-BD32-F0777D33BAEE}" type="datetimeFigureOut">
+            <a:fld id="{D51784A1-6371-4B69-92ED-F09634C8754C}" type="datetimeFigureOut">
               <a:rPr lang="en-US" smtClean="0"/>
               <a:t>11/7/2009</a:t>
             </a:fld>
@@ -645,7 +645,7 @@
       </p:sp>
       <p:sp>
         <p:nvSpPr>
-          <p:cNvPr id="5" name="Footer Placeholder 4"/>
+          <p:cNvPr id="5" name="Footer Placeholder 4" title=""/>
           <p:cNvSpPr>
             <a:spLocks noGrp="1"/>
           </p:cNvSpPr>
@@ -664,7 +664,7 @@
       </p:sp>
       <p:sp>
         <p:nvSpPr>
-          <p:cNvPr id="6" name="Slide Number Placeholder 5"/>
+          <p:cNvPr id="6" name="Slide Number Placeholder 5" title=""/>
           <p:cNvSpPr>
             <a:spLocks noGrp="1"/>
           </p:cNvSpPr>
@@ -696,11 +696,11 @@
 </file>
 
 <file path=ppt/slideLayouts/slideLayout11.xml><?xml version="1.0" encoding="utf-8"?>
-<p:sldLayout xmlns:a="http://schemas.openxmlformats.org/drawingml/2006/main" xmlns:r="http://schemas.openxmlformats.org/officeDocument/2006/relationships" xmlns:p14="http://schemas.microsoft.com/office/powerpoint/2010/main" xmlns:a14="http://schemas.microsoft.com/office/drawing/2010/main" xmlns:p15="http://schemas.microsoft.com/office/powerpoint/2012/main" xmlns:p159="http://schemas.microsoft.com/office/powerpoint/2015/09/main" xmlns:p="http://schemas.openxmlformats.org/presentationml/2006/main" type="vertTitleAndTx" preserve="1">
+<p:sldLayout xmlns:a="http://schemas.openxmlformats.org/drawingml/2006/main" xmlns:r="http://schemas.openxmlformats.org/officeDocument/2006/relationships" xmlns:m="http://schemas.openxmlformats.org/officeDocument/2006/math" xmlns:w="http://schemas.openxmlformats.org/wordprocessingml/2006/main" xmlns:wp="http://schemas.openxmlformats.org/drawingml/2006/wordprocessingDrawing" xmlns:a14="http://schemas.microsoft.com/office/drawing/2010/main" xmlns:mc="http://schemas.openxmlformats.org/markup-compatibility/2006" xmlns:p14="http://schemas.microsoft.com/office/powerpoint/2010/main" xmlns:p15="http://schemas.microsoft.com/office/powerpoint/2012/main" xmlns:p159="http://schemas.microsoft.com/office/powerpoint/2015/09/main" xmlns:p="http://schemas.openxmlformats.org/presentationml/2006/main" type="vertTitleAndTx" preserve="1">
   <p:cSld name="Vertical Title and Text">
     <p:spTree>
       <p:nvGrpSpPr>
-        <p:cNvPr id="1" name=""/>
+        <p:cNvPr id="1" name="" title=""/>
         <p:cNvGrpSpPr/>
         <p:nvPr/>
       </p:nvGrpSpPr>
@@ -712,7 +712,7 @@
       </p:grpSpPr>
       <p:sp>
         <p:nvSpPr>
-          <p:cNvPr id="2" name="Vertical Title 1"/>
+          <p:cNvPr id="2" name="Vertical Title 1" title=""/>
           <p:cNvSpPr>
             <a:spLocks noGrp="1"/>
           </p:cNvSpPr>
@@ -735,7 +735,7 @@
       </p:sp>
       <p:sp>
         <p:nvSpPr>
-          <p:cNvPr id="3" name="Vertical Text Placeholder 2"/>
+          <p:cNvPr id="3" name="Vertical Text Placeholder 2" title=""/>
           <p:cNvSpPr>
             <a:spLocks noGrp="1"/>
           </p:cNvSpPr>
@@ -786,7 +786,7 @@
       </p:sp>
       <p:sp>
         <p:nvSpPr>
-          <p:cNvPr id="4" name="Date Placeholder 3"/>
+          <p:cNvPr id="4" name="Date Placeholder 3" title=""/>
           <p:cNvSpPr>
             <a:spLocks noGrp="1"/>
           </p:cNvSpPr>
@@ -799,7 +799,7 @@
           <a:bodyPr/>
           <a:lstStyle/>
           <a:p>
-            <a:fld id="{69EFA8F8-7C82-4C4D-97D8-EF97E0787276}" type="datetimeFigureOut">
+            <a:fld id="{7BAF9257-9B72-4524-91F6-02428246AAB8}" type="datetimeFigureOut">
               <a:rPr lang="en-US" smtClean="0"/>
               <a:t>11/7/2009</a:t>
             </a:fld>
@@ -809,7 +809,7 @@
       </p:sp>
       <p:sp>
         <p:nvSpPr>
-          <p:cNvPr id="5" name="Footer Placeholder 4"/>
+          <p:cNvPr id="5" name="Footer Placeholder 4" title=""/>
           <p:cNvSpPr>
             <a:spLocks noGrp="1"/>
           </p:cNvSpPr>
@@ -828,7 +828,7 @@
       </p:sp>
       <p:sp>
         <p:nvSpPr>
-          <p:cNvPr id="6" name="Slide Number Placeholder 5"/>
+          <p:cNvPr id="6" name="Slide Number Placeholder 5" title=""/>
           <p:cNvSpPr>
             <a:spLocks noGrp="1"/>
           </p:cNvSpPr>
@@ -860,11 +860,11 @@
 </file>
 
 <file path=ppt/slideLayouts/slideLayout2.xml><?xml version="1.0" encoding="utf-8"?>
-<p:sldLayout xmlns:a="http://schemas.openxmlformats.org/drawingml/2006/main" xmlns:r="http://schemas.openxmlformats.org/officeDocument/2006/relationships" xmlns:p14="http://schemas.microsoft.com/office/powerpoint/2010/main" xmlns:a14="http://schemas.microsoft.com/office/drawing/2010/main" xmlns:p15="http://schemas.microsoft.com/office/powerpoint/2012/main" xmlns:p159="http://schemas.microsoft.com/office/powerpoint/2015/09/main" xmlns:p="http://schemas.openxmlformats.org/presentationml/2006/main" type="obj" preserve="1">
+<p:sldLayout xmlns:a="http://schemas.openxmlformats.org/drawingml/2006/main" xmlns:r="http://schemas.openxmlformats.org/officeDocument/2006/relationships" xmlns:m="http://schemas.openxmlformats.org/officeDocument/2006/math" xmlns:w="http://schemas.openxmlformats.org/wordprocessingml/2006/main" xmlns:wp="http://schemas.openxmlformats.org/drawingml/2006/wordprocessingDrawing" xmlns:a14="http://schemas.microsoft.com/office/drawing/2010/main" xmlns:mc="http://schemas.openxmlformats.org/markup-compatibility/2006" xmlns:p14="http://schemas.microsoft.com/office/powerpoint/2010/main" xmlns:p15="http://schemas.microsoft.com/office/powerpoint/2012/main" xmlns:p159="http://schemas.microsoft.com/office/powerpoint/2015/09/main" xmlns:p="http://schemas.openxmlformats.org/presentationml/2006/main" type="obj" preserve="1">
   <p:cSld name="Title and Content">
     <p:spTree>
       <p:nvGrpSpPr>
-        <p:cNvPr id="1" name=""/>
+        <p:cNvPr id="1" name="" title=""/>
         <p:cNvGrpSpPr/>
         <p:nvPr/>
       </p:nvGrpSpPr>
@@ -876,7 +876,7 @@
       </p:grpSpPr>
       <p:sp>
         <p:nvSpPr>
-          <p:cNvPr id="2" name="Title 1"/>
+          <p:cNvPr id="2" name="Title 1" title=""/>
           <p:cNvSpPr>
             <a:spLocks noGrp="1"/>
           </p:cNvSpPr>
@@ -899,7 +899,7 @@
       </p:sp>
       <p:sp>
         <p:nvSpPr>
-          <p:cNvPr id="3" name="Content Placeholder 2"/>
+          <p:cNvPr id="3" name="Content Placeholder 2" title=""/>
           <p:cNvSpPr>
             <a:spLocks noGrp="1"/>
           </p:cNvSpPr>
@@ -950,7 +950,7 @@
       </p:sp>
       <p:sp>
         <p:nvSpPr>
-          <p:cNvPr id="4" name="Date Placeholder 3"/>
+          <p:cNvPr id="4" name="Date Placeholder 3" title=""/>
           <p:cNvSpPr>
             <a:spLocks noGrp="1"/>
           </p:cNvSpPr>
@@ -963,7 +963,7 @@
           <a:bodyPr/>
           <a:lstStyle/>
           <a:p>
-            <a:fld id="{51799B63-DA12-4458-9DAB-A29D79AFC697}" type="datetimeFigureOut">
+            <a:fld id="{5AD953DD-D558-411F-9A46-34D09C1B311F}" type="datetimeFigureOut">
               <a:rPr lang="en-US" smtClean="0"/>
               <a:t>11/7/2009</a:t>
             </a:fld>
@@ -973,7 +973,7 @@
       </p:sp>
       <p:sp>
         <p:nvSpPr>
-          <p:cNvPr id="5" name="Footer Placeholder 4"/>
+          <p:cNvPr id="5" name="Footer Placeholder 4" title=""/>
           <p:cNvSpPr>
             <a:spLocks noGrp="1"/>
           </p:cNvSpPr>
@@ -992,7 +992,7 @@
       </p:sp>
       <p:sp>
         <p:nvSpPr>
-          <p:cNvPr id="6" name="Slide Number Placeholder 5"/>
+          <p:cNvPr id="6" name="Slide Number Placeholder 5" title=""/>
           <p:cNvSpPr>
             <a:spLocks noGrp="1"/>
           </p:cNvSpPr>
@@ -1024,11 +1024,11 @@
 </file>
 
 <file path=ppt/slideLayouts/slideLayout3.xml><?xml version="1.0" encoding="utf-8"?>
-<p:sldLayout xmlns:a="http://schemas.openxmlformats.org/drawingml/2006/main" xmlns:r="http://schemas.openxmlformats.org/officeDocument/2006/relationships" xmlns:p14="http://schemas.microsoft.com/office/powerpoint/2010/main" xmlns:a14="http://schemas.microsoft.com/office/drawing/2010/main" xmlns:p15="http://schemas.microsoft.com/office/powerpoint/2012/main" xmlns:p159="http://schemas.microsoft.com/office/powerpoint/2015/09/main" xmlns:p="http://schemas.openxmlformats.org/presentationml/2006/main" type="secHead" preserve="1">
+<p:sldLayout xmlns:a="http://schemas.openxmlformats.org/drawingml/2006/main" xmlns:r="http://schemas.openxmlformats.org/officeDocument/2006/relationships" xmlns:m="http://schemas.openxmlformats.org/officeDocument/2006/math" xmlns:w="http://schemas.openxmlformats.org/wordprocessingml/2006/main" xmlns:wp="http://schemas.openxmlformats.org/drawingml/2006/wordprocessingDrawing" xmlns:a14="http://schemas.microsoft.com/office/drawing/2010/main" xmlns:mc="http://schemas.openxmlformats.org/markup-compatibility/2006" xmlns:p14="http://schemas.microsoft.com/office/powerpoint/2010/main" xmlns:p15="http://schemas.microsoft.com/office/powerpoint/2012/main" xmlns:p159="http://schemas.microsoft.com/office/powerpoint/2015/09/main" xmlns:p="http://schemas.openxmlformats.org/presentationml/2006/main" type="secHead" preserve="1">
   <p:cSld name="Section Header">
     <p:spTree>
       <p:nvGrpSpPr>
-        <p:cNvPr id="1" name=""/>
+        <p:cNvPr id="1" name="" title=""/>
         <p:cNvGrpSpPr/>
         <p:nvPr/>
       </p:nvGrpSpPr>
@@ -1040,7 +1040,7 @@
       </p:grpSpPr>
       <p:sp>
         <p:nvSpPr>
-          <p:cNvPr id="2" name="Title 1"/>
+          <p:cNvPr id="2" name="Title 1" title=""/>
           <p:cNvSpPr>
             <a:spLocks noGrp="1"/>
           </p:cNvSpPr>
@@ -1067,7 +1067,7 @@
       </p:sp>
       <p:sp>
         <p:nvSpPr>
-          <p:cNvPr id="3" name="Text Placeholder 2"/>
+          <p:cNvPr id="3" name="Text Placeholder 2" title=""/>
           <p:cNvSpPr>
             <a:spLocks noGrp="1"/>
           </p:cNvSpPr>
@@ -1180,7 +1180,7 @@
       </p:sp>
       <p:sp>
         <p:nvSpPr>
-          <p:cNvPr id="4" name="Date Placeholder 3"/>
+          <p:cNvPr id="4" name="Date Placeholder 3" title=""/>
           <p:cNvSpPr>
             <a:spLocks noGrp="1"/>
           </p:cNvSpPr>
@@ -1193,7 +1193,7 @@
           <a:bodyPr/>
           <a:lstStyle/>
           <a:p>
-            <a:fld id="{E1473C3E-3417-439B-9815-BFACCFFD9914}" type="datetimeFigureOut">
+            <a:fld id="{CA8AB294-722D-4C01-80C8-2215DC02F494}" type="datetimeFigureOut">
               <a:rPr lang="en-US" smtClean="0"/>
               <a:t>11/7/2009</a:t>
             </a:fld>
@@ -1203,7 +1203,7 @@
       </p:sp>
       <p:sp>
         <p:nvSpPr>
-          <p:cNvPr id="5" name="Footer Placeholder 4"/>
+          <p:cNvPr id="5" name="Footer Placeholder 4" title=""/>
           <p:cNvSpPr>
             <a:spLocks noGrp="1"/>
           </p:cNvSpPr>
@@ -1222,7 +1222,7 @@
       </p:sp>
       <p:sp>
         <p:nvSpPr>
-          <p:cNvPr id="6" name="Slide Number Placeholder 5"/>
+          <p:cNvPr id="6" name="Slide Number Placeholder 5" title=""/>
           <p:cNvSpPr>
             <a:spLocks noGrp="1"/>
           </p:cNvSpPr>
@@ -1254,11 +1254,11 @@
 </file>
 
 <file path=ppt/slideLayouts/slideLayout4.xml><?xml version="1.0" encoding="utf-8"?>
-<p:sldLayout xmlns:a="http://schemas.openxmlformats.org/drawingml/2006/main" xmlns:r="http://schemas.openxmlformats.org/officeDocument/2006/relationships" xmlns:p14="http://schemas.microsoft.com/office/powerpoint/2010/main" xmlns:a14="http://schemas.microsoft.com/office/drawing/2010/main" xmlns:p15="http://schemas.microsoft.com/office/powerpoint/2012/main" xmlns:p159="http://schemas.microsoft.com/office/powerpoint/2015/09/main" xmlns:p="http://schemas.openxmlformats.org/presentationml/2006/main" type="twoObj" preserve="1">
+<p:sldLayout xmlns:a="http://schemas.openxmlformats.org/drawingml/2006/main" xmlns:r="http://schemas.openxmlformats.org/officeDocument/2006/relationships" xmlns:m="http://schemas.openxmlformats.org/officeDocument/2006/math" xmlns:w="http://schemas.openxmlformats.org/wordprocessingml/2006/main" xmlns:wp="http://schemas.openxmlformats.org/drawingml/2006/wordprocessingDrawing" xmlns:a14="http://schemas.microsoft.com/office/drawing/2010/main" xmlns:mc="http://schemas.openxmlformats.org/markup-compatibility/2006" xmlns:p14="http://schemas.microsoft.com/office/powerpoint/2010/main" xmlns:p15="http://schemas.microsoft.com/office/powerpoint/2012/main" xmlns:p159="http://schemas.microsoft.com/office/powerpoint/2015/09/main" xmlns:p="http://schemas.openxmlformats.org/presentationml/2006/main" type="twoObj" preserve="1">
   <p:cSld name="Two Content">
     <p:spTree>
       <p:nvGrpSpPr>
-        <p:cNvPr id="1" name=""/>
+        <p:cNvPr id="1" name="" title=""/>
         <p:cNvGrpSpPr/>
         <p:nvPr/>
       </p:nvGrpSpPr>
@@ -1270,7 +1270,7 @@
       </p:grpSpPr>
       <p:sp>
         <p:nvSpPr>
-          <p:cNvPr id="2" name="Title 1"/>
+          <p:cNvPr id="2" name="Title 1" title=""/>
           <p:cNvSpPr>
             <a:spLocks noGrp="1"/>
           </p:cNvSpPr>
@@ -1293,7 +1293,7 @@
       </p:sp>
       <p:sp>
         <p:nvSpPr>
-          <p:cNvPr id="3" name="Content Placeholder 2"/>
+          <p:cNvPr id="3" name="Content Placeholder 2" title=""/>
           <p:cNvSpPr>
             <a:spLocks noGrp="1"/>
           </p:cNvSpPr>
@@ -1372,7 +1372,7 @@
       </p:sp>
       <p:sp>
         <p:nvSpPr>
-          <p:cNvPr id="4" name="Content Placeholder 3"/>
+          <p:cNvPr id="4" name="Content Placeholder 3" title=""/>
           <p:cNvSpPr>
             <a:spLocks noGrp="1"/>
           </p:cNvSpPr>
@@ -1451,7 +1451,7 @@
       </p:sp>
       <p:sp>
         <p:nvSpPr>
-          <p:cNvPr id="5" name="Date Placeholder 4"/>
+          <p:cNvPr id="5" name="Date Placeholder 4" title=""/>
           <p:cNvSpPr>
             <a:spLocks noGrp="1"/>
           </p:cNvSpPr>
@@ -1464,7 +1464,7 @@
           <a:bodyPr/>
           <a:lstStyle/>
           <a:p>
-            <a:fld id="{F90B3D32-0E1B-4A61-9934-127B92D62151}" type="datetimeFigureOut">
+            <a:fld id="{9E19BF5E-71FC-4E1E-B832-1FB1F2F75BAD}" type="datetimeFigureOut">
               <a:rPr lang="en-US" smtClean="0"/>
               <a:t>11/7/2009</a:t>
             </a:fld>
@@ -1474,7 +1474,7 @@
       </p:sp>
       <p:sp>
         <p:nvSpPr>
-          <p:cNvPr id="6" name="Footer Placeholder 5"/>
+          <p:cNvPr id="6" name="Footer Placeholder 5" title=""/>
           <p:cNvSpPr>
             <a:spLocks noGrp="1"/>
           </p:cNvSpPr>
@@ -1493,7 +1493,7 @@
       </p:sp>
       <p:sp>
         <p:nvSpPr>
-          <p:cNvPr id="7" name="Slide Number Placeholder 6"/>
+          <p:cNvPr id="7" name="Slide Number Placeholder 6" title=""/>
           <p:cNvSpPr>
             <a:spLocks noGrp="1"/>
           </p:cNvSpPr>
@@ -1525,11 +1525,11 @@
 </file>
 
 <file path=ppt/slideLayouts/slideLayout5.xml><?xml version="1.0" encoding="utf-8"?>
-<p:sldLayout xmlns:a="http://schemas.openxmlformats.org/drawingml/2006/main" xmlns:r="http://schemas.openxmlformats.org/officeDocument/2006/relationships" xmlns:p14="http://schemas.microsoft.com/office/powerpoint/2010/main" xmlns:a14="http://schemas.microsoft.com/office/drawing/2010/main" xmlns:p15="http://schemas.microsoft.com/office/powerpoint/2012/main" xmlns:p159="http://schemas.microsoft.com/office/powerpoint/2015/09/main" xmlns:p="http://schemas.openxmlformats.org/presentationml/2006/main" type="twoTxTwoObj" preserve="1">
+<p:sldLayout xmlns:a="http://schemas.openxmlformats.org/drawingml/2006/main" xmlns:r="http://schemas.openxmlformats.org/officeDocument/2006/relationships" xmlns:m="http://schemas.openxmlformats.org/officeDocument/2006/math" xmlns:w="http://schemas.openxmlformats.org/wordprocessingml/2006/main" xmlns:wp="http://schemas.openxmlformats.org/drawingml/2006/wordprocessingDrawing" xmlns:a14="http://schemas.microsoft.com/office/drawing/2010/main" xmlns:mc="http://schemas.openxmlformats.org/markup-compatibility/2006" xmlns:p14="http://schemas.microsoft.com/office/powerpoint/2010/main" xmlns:p15="http://schemas.microsoft.com/office/powerpoint/2012/main" xmlns:p159="http://schemas.microsoft.com/office/powerpoint/2015/09/main" xmlns:p="http://schemas.openxmlformats.org/presentationml/2006/main" type="twoTxTwoObj" preserve="1">
   <p:cSld name="Comparison">
     <p:spTree>
       <p:nvGrpSpPr>
-        <p:cNvPr id="1" name=""/>
+        <p:cNvPr id="1" name="" title=""/>
         <p:cNvGrpSpPr/>
         <p:nvPr/>
       </p:nvGrpSpPr>
@@ -1541,7 +1541,7 @@
       </p:grpSpPr>
       <p:sp>
         <p:nvSpPr>
-          <p:cNvPr id="2" name="Title 1"/>
+          <p:cNvPr id="2" name="Title 1" title=""/>
           <p:cNvSpPr>
             <a:spLocks noGrp="1"/>
           </p:cNvSpPr>
@@ -1564,7 +1564,7 @@
       </p:sp>
       <p:sp>
         <p:nvSpPr>
-          <p:cNvPr id="3" name="Text Placeholder 2"/>
+          <p:cNvPr id="3" name="Text Placeholder 2" title=""/>
           <p:cNvSpPr>
             <a:spLocks noGrp="1"/>
           </p:cNvSpPr>
@@ -1623,7 +1623,7 @@
       </p:sp>
       <p:sp>
         <p:nvSpPr>
-          <p:cNvPr id="4" name="Content Placeholder 3"/>
+          <p:cNvPr id="4" name="Content Placeholder 3" title=""/>
           <p:cNvSpPr>
             <a:spLocks noGrp="1"/>
           </p:cNvSpPr>
@@ -1702,7 +1702,7 @@
       </p:sp>
       <p:sp>
         <p:nvSpPr>
-          <p:cNvPr id="5" name="Text Placeholder 4"/>
+          <p:cNvPr id="5" name="Text Placeholder 4" title=""/>
           <p:cNvSpPr>
             <a:spLocks noGrp="1"/>
           </p:cNvSpPr>
@@ -1761,7 +1761,7 @@
       </p:sp>
       <p:sp>
         <p:nvSpPr>
-          <p:cNvPr id="6" name="Content Placeholder 5"/>
+          <p:cNvPr id="6" name="Content Placeholder 5" title=""/>
           <p:cNvSpPr>
             <a:spLocks noGrp="1"/>
           </p:cNvSpPr>
@@ -1840,7 +1840,7 @@
       </p:sp>
       <p:sp>
         <p:nvSpPr>
-          <p:cNvPr id="7" name="Date Placeholder 6"/>
+          <p:cNvPr id="7" name="Date Placeholder 6" title=""/>
           <p:cNvSpPr>
             <a:spLocks noGrp="1"/>
           </p:cNvSpPr>
@@ -1853,7 +1853,7 @@
           <a:bodyPr/>
           <a:lstStyle/>
           <a:p>
-            <a:fld id="{BB33FBC8-A9AE-4F3A-8B21-C9211AB6BE61}" type="datetimeFigureOut">
+            <a:fld id="{5B5A49EF-CBBB-4C3F-866C-0023C08F5E8D}" type="datetimeFigureOut">
               <a:rPr lang="en-US" smtClean="0"/>
               <a:t>11/7/2009</a:t>
             </a:fld>
@@ -1863,7 +1863,7 @@
       </p:sp>
       <p:sp>
         <p:nvSpPr>
-          <p:cNvPr id="8" name="Footer Placeholder 7"/>
+          <p:cNvPr id="8" name="Footer Placeholder 7" title=""/>
           <p:cNvSpPr>
             <a:spLocks noGrp="1"/>
           </p:cNvSpPr>
@@ -1882,7 +1882,7 @@
       </p:sp>
       <p:sp>
         <p:nvSpPr>
-          <p:cNvPr id="9" name="Slide Number Placeholder 8"/>
+          <p:cNvPr id="9" name="Slide Number Placeholder 8" title=""/>
           <p:cNvSpPr>
             <a:spLocks noGrp="1"/>
           </p:cNvSpPr>
@@ -1914,11 +1914,11 @@
 </file>
 
 <file path=ppt/slideLayouts/slideLayout6.xml><?xml version="1.0" encoding="utf-8"?>
-<p:sldLayout xmlns:a="http://schemas.openxmlformats.org/drawingml/2006/main" xmlns:r="http://schemas.openxmlformats.org/officeDocument/2006/relationships" xmlns:p14="http://schemas.microsoft.com/office/powerpoint/2010/main" xmlns:a14="http://schemas.microsoft.com/office/drawing/2010/main" xmlns:p15="http://schemas.microsoft.com/office/powerpoint/2012/main" xmlns:p159="http://schemas.microsoft.com/office/powerpoint/2015/09/main" xmlns:p="http://schemas.openxmlformats.org/presentationml/2006/main" type="titleOnly" preserve="1">
+<p:sldLayout xmlns:a="http://schemas.openxmlformats.org/drawingml/2006/main" xmlns:r="http://schemas.openxmlformats.org/officeDocument/2006/relationships" xmlns:m="http://schemas.openxmlformats.org/officeDocument/2006/math" xmlns:w="http://schemas.openxmlformats.org/wordprocessingml/2006/main" xmlns:wp="http://schemas.openxmlformats.org/drawingml/2006/wordprocessingDrawing" xmlns:a14="http://schemas.microsoft.com/office/drawing/2010/main" xmlns:mc="http://schemas.openxmlformats.org/markup-compatibility/2006" xmlns:p14="http://schemas.microsoft.com/office/powerpoint/2010/main" xmlns:p15="http://schemas.microsoft.com/office/powerpoint/2012/main" xmlns:p159="http://schemas.microsoft.com/office/powerpoint/2015/09/main" xmlns:p="http://schemas.openxmlformats.org/presentationml/2006/main" type="titleOnly" preserve="1">
   <p:cSld name="Title Only">
     <p:spTree>
       <p:nvGrpSpPr>
-        <p:cNvPr id="1" name=""/>
+        <p:cNvPr id="1" name="" title=""/>
         <p:cNvGrpSpPr/>
         <p:nvPr/>
       </p:nvGrpSpPr>
@@ -1930,7 +1930,7 @@
       </p:grpSpPr>
       <p:sp>
         <p:nvSpPr>
-          <p:cNvPr id="2" name="Title 1"/>
+          <p:cNvPr id="2" name="Title 1" title=""/>
           <p:cNvSpPr>
             <a:spLocks noGrp="1"/>
           </p:cNvSpPr>
@@ -1953,7 +1953,7 @@
       </p:sp>
       <p:sp>
         <p:nvSpPr>
-          <p:cNvPr id="3" name="Date Placeholder 2"/>
+          <p:cNvPr id="3" name="Date Placeholder 2" title=""/>
           <p:cNvSpPr>
             <a:spLocks noGrp="1"/>
           </p:cNvSpPr>
@@ -1966,7 +1966,7 @@
           <a:bodyPr/>
           <a:lstStyle/>
           <a:p>
-            <a:fld id="{C3C511F5-2D58-425F-9730-946B81879DED}" type="datetimeFigureOut">
+            <a:fld id="{8D587BF9-8D98-4BB2-BC62-3797784F4ED7}" type="datetimeFigureOut">
               <a:rPr lang="en-US" smtClean="0"/>
               <a:t>11/7/2009</a:t>
             </a:fld>
@@ -1976,7 +1976,7 @@
       </p:sp>
       <p:sp>
         <p:nvSpPr>
-          <p:cNvPr id="4" name="Footer Placeholder 3"/>
+          <p:cNvPr id="4" name="Footer Placeholder 3" title=""/>
           <p:cNvSpPr>
             <a:spLocks noGrp="1"/>
           </p:cNvSpPr>
@@ -1995,7 +1995,7 @@
       </p:sp>
       <p:sp>
         <p:nvSpPr>
-          <p:cNvPr id="5" name="Slide Number Placeholder 4"/>
+          <p:cNvPr id="5" name="Slide Number Placeholder 4" title=""/>
           <p:cNvSpPr>
             <a:spLocks noGrp="1"/>
           </p:cNvSpPr>
@@ -2027,11 +2027,11 @@
 </file>
 
 <file path=ppt/slideLayouts/slideLayout7.xml><?xml version="1.0" encoding="utf-8"?>
-<p:sldLayout xmlns:a="http://schemas.openxmlformats.org/drawingml/2006/main" xmlns:r="http://schemas.openxmlformats.org/officeDocument/2006/relationships" xmlns:p14="http://schemas.microsoft.com/office/powerpoint/2010/main" xmlns:a14="http://schemas.microsoft.com/office/drawing/2010/main" xmlns:p15="http://schemas.microsoft.com/office/powerpoint/2012/main" xmlns:p159="http://schemas.microsoft.com/office/powerpoint/2015/09/main" xmlns:p="http://schemas.openxmlformats.org/presentationml/2006/main" type="blank" preserve="1">
+<p:sldLayout xmlns:a="http://schemas.openxmlformats.org/drawingml/2006/main" xmlns:r="http://schemas.openxmlformats.org/officeDocument/2006/relationships" xmlns:m="http://schemas.openxmlformats.org/officeDocument/2006/math" xmlns:w="http://schemas.openxmlformats.org/wordprocessingml/2006/main" xmlns:wp="http://schemas.openxmlformats.org/drawingml/2006/wordprocessingDrawing" xmlns:a14="http://schemas.microsoft.com/office/drawing/2010/main" xmlns:mc="http://schemas.openxmlformats.org/markup-compatibility/2006" xmlns:p14="http://schemas.microsoft.com/office/powerpoint/2010/main" xmlns:p15="http://schemas.microsoft.com/office/powerpoint/2012/main" xmlns:p159="http://schemas.microsoft.com/office/powerpoint/2015/09/main" xmlns:p="http://schemas.openxmlformats.org/presentationml/2006/main" type="blank" preserve="1">
   <p:cSld name="Blank">
     <p:spTree>
       <p:nvGrpSpPr>
-        <p:cNvPr id="1" name=""/>
+        <p:cNvPr id="1" name="" title=""/>
         <p:cNvGrpSpPr/>
         <p:nvPr/>
       </p:nvGrpSpPr>
@@ -2043,7 +2043,7 @@
       </p:grpSpPr>
       <p:sp>
         <p:nvSpPr>
-          <p:cNvPr id="2" name="Date Placeholder 1"/>
+          <p:cNvPr id="2" name="Date Placeholder 1" title=""/>
           <p:cNvSpPr>
             <a:spLocks noGrp="1"/>
           </p:cNvSpPr>
@@ -2056,7 +2056,7 @@
           <a:bodyPr/>
           <a:lstStyle/>
           <a:p>
-            <a:fld id="{204F9AC2-A849-4270-89AB-B21C34F7569C}" type="datetimeFigureOut">
+            <a:fld id="{10348F60-283A-4938-A61C-4ED6FE2887F1}" type="datetimeFigureOut">
               <a:rPr lang="en-US" smtClean="0"/>
               <a:t>11/7/2009</a:t>
             </a:fld>
@@ -2066,7 +2066,7 @@
       </p:sp>
       <p:sp>
         <p:nvSpPr>
-          <p:cNvPr id="3" name="Footer Placeholder 2"/>
+          <p:cNvPr id="3" name="Footer Placeholder 2" title=""/>
           <p:cNvSpPr>
             <a:spLocks noGrp="1"/>
           </p:cNvSpPr>
@@ -2085,7 +2085,7 @@
       </p:sp>
       <p:sp>
         <p:nvSpPr>
-          <p:cNvPr id="4" name="Slide Number Placeholder 3"/>
+          <p:cNvPr id="4" name="Slide Number Placeholder 3" title=""/>
           <p:cNvSpPr>
             <a:spLocks noGrp="1"/>
           </p:cNvSpPr>
@@ -2117,11 +2117,11 @@
 </file>
 
 <file path=ppt/slideLayouts/slideLayout8.xml><?xml version="1.0" encoding="utf-8"?>
-<p:sldLayout xmlns:a="http://schemas.openxmlformats.org/drawingml/2006/main" xmlns:r="http://schemas.openxmlformats.org/officeDocument/2006/relationships" xmlns:p14="http://schemas.microsoft.com/office/powerpoint/2010/main" xmlns:a14="http://schemas.microsoft.com/office/drawing/2010/main" xmlns:p15="http://schemas.microsoft.com/office/powerpoint/2012/main" xmlns:p159="http://schemas.microsoft.com/office/powerpoint/2015/09/main" xmlns:p="http://schemas.openxmlformats.org/presentationml/2006/main" type="objTx" preserve="1">
+<p:sldLayout xmlns:a="http://schemas.openxmlformats.org/drawingml/2006/main" xmlns:r="http://schemas.openxmlformats.org/officeDocument/2006/relationships" xmlns:m="http://schemas.openxmlformats.org/officeDocument/2006/math" xmlns:w="http://schemas.openxmlformats.org/wordprocessingml/2006/main" xmlns:wp="http://schemas.openxmlformats.org/drawingml/2006/wordprocessingDrawing" xmlns:a14="http://schemas.microsoft.com/office/drawing/2010/main" xmlns:mc="http://schemas.openxmlformats.org/markup-compatibility/2006" xmlns:p14="http://schemas.microsoft.com/office/powerpoint/2010/main" xmlns:p15="http://schemas.microsoft.com/office/powerpoint/2012/main" xmlns:p159="http://schemas.microsoft.com/office/powerpoint/2015/09/main" xmlns:p="http://schemas.openxmlformats.org/presentationml/2006/main" type="objTx" preserve="1">
   <p:cSld name="Content with Caption">
     <p:spTree>
       <p:nvGrpSpPr>
-        <p:cNvPr id="1" name=""/>
+        <p:cNvPr id="1" name="" title=""/>
         <p:cNvGrpSpPr/>
         <p:nvPr/>
       </p:nvGrpSpPr>
@@ -2133,7 +2133,7 @@
       </p:grpSpPr>
       <p:sp>
         <p:nvSpPr>
-          <p:cNvPr id="2" name="Title 1"/>
+          <p:cNvPr id="2" name="Title 1" title=""/>
           <p:cNvSpPr>
             <a:spLocks noGrp="1"/>
           </p:cNvSpPr>
@@ -2160,7 +2160,7 @@
       </p:sp>
       <p:sp>
         <p:nvSpPr>
-          <p:cNvPr id="3" name="Content Placeholder 2"/>
+          <p:cNvPr id="3" name="Content Placeholder 2" title=""/>
           <p:cNvSpPr>
             <a:spLocks noGrp="1"/>
           </p:cNvSpPr>
@@ -2239,7 +2239,7 @@
       </p:sp>
       <p:sp>
         <p:nvSpPr>
-          <p:cNvPr id="4" name="Text Placeholder 3"/>
+          <p:cNvPr id="4" name="Text Placeholder 3" title=""/>
           <p:cNvSpPr>
             <a:spLocks noGrp="1"/>
           </p:cNvSpPr>
@@ -2298,7 +2298,7 @@
       </p:sp>
       <p:sp>
         <p:nvSpPr>
-          <p:cNvPr id="5" name="Date Placeholder 4"/>
+          <p:cNvPr id="5" name="Date Placeholder 4" title=""/>
           <p:cNvSpPr>
             <a:spLocks noGrp="1"/>
           </p:cNvSpPr>
@@ -2311,7 +2311,7 @@
           <a:bodyPr/>
           <a:lstStyle/>
           <a:p>
-            <a:fld id="{C1216122-2DFA-411C-9D77-8BA37EB43347}" type="datetimeFigureOut">
+            <a:fld id="{CD6425FB-E158-40E1-A357-E2C97D254678}" type="datetimeFigureOut">
               <a:rPr lang="en-US" smtClean="0"/>
               <a:t>11/7/2009</a:t>
             </a:fld>
@@ -2321,7 +2321,7 @@
       </p:sp>
       <p:sp>
         <p:nvSpPr>
-          <p:cNvPr id="6" name="Footer Placeholder 5"/>
+          <p:cNvPr id="6" name="Footer Placeholder 5" title=""/>
           <p:cNvSpPr>
             <a:spLocks noGrp="1"/>
           </p:cNvSpPr>
@@ -2340,7 +2340,7 @@
       </p:sp>
       <p:sp>
         <p:nvSpPr>
-          <p:cNvPr id="7" name="Slide Number Placeholder 6"/>
+          <p:cNvPr id="7" name="Slide Number Placeholder 6" title=""/>
           <p:cNvSpPr>
             <a:spLocks noGrp="1"/>
           </p:cNvSpPr>
@@ -2372,11 +2372,11 @@
 </file>
 
 <file path=ppt/slideLayouts/slideLayout9.xml><?xml version="1.0" encoding="utf-8"?>
-<p:sldLayout xmlns:a="http://schemas.openxmlformats.org/drawingml/2006/main" xmlns:r="http://schemas.openxmlformats.org/officeDocument/2006/relationships" xmlns:p14="http://schemas.microsoft.com/office/powerpoint/2010/main" xmlns:a14="http://schemas.microsoft.com/office/drawing/2010/main" xmlns:p15="http://schemas.microsoft.com/office/powerpoint/2012/main" xmlns:p159="http://schemas.microsoft.com/office/powerpoint/2015/09/main" xmlns:p="http://schemas.openxmlformats.org/presentationml/2006/main" type="picTx" preserve="1">
+<p:sldLayout xmlns:a="http://schemas.openxmlformats.org/drawingml/2006/main" xmlns:r="http://schemas.openxmlformats.org/officeDocument/2006/relationships" xmlns:m="http://schemas.openxmlformats.org/officeDocument/2006/math" xmlns:w="http://schemas.openxmlformats.org/wordprocessingml/2006/main" xmlns:wp="http://schemas.openxmlformats.org/drawingml/2006/wordprocessingDrawing" xmlns:a14="http://schemas.microsoft.com/office/drawing/2010/main" xmlns:mc="http://schemas.openxmlformats.org/markup-compatibility/2006" xmlns:p14="http://schemas.microsoft.com/office/powerpoint/2010/main" xmlns:p15="http://schemas.microsoft.com/office/powerpoint/2012/main" xmlns:p159="http://schemas.microsoft.com/office/powerpoint/2015/09/main" xmlns:p="http://schemas.openxmlformats.org/presentationml/2006/main" type="picTx" preserve="1">
   <p:cSld name="Picture with Caption">
     <p:spTree>
       <p:nvGrpSpPr>
-        <p:cNvPr id="1" name=""/>
+        <p:cNvPr id="1" name="" title=""/>
         <p:cNvGrpSpPr/>
         <p:nvPr/>
       </p:nvGrpSpPr>
@@ -2388,7 +2388,7 @@
       </p:grpSpPr>
       <p:sp>
         <p:nvSpPr>
-          <p:cNvPr id="2" name="Title 1"/>
+          <p:cNvPr id="2" name="Title 1" title=""/>
           <p:cNvSpPr>
             <a:spLocks noGrp="1"/>
           </p:cNvSpPr>
@@ -2415,7 +2415,7 @@
       </p:sp>
       <p:sp>
         <p:nvSpPr>
-          <p:cNvPr id="3" name="Picture Placeholder 2"/>
+          <p:cNvPr id="3" name="Picture Placeholder 2" title=""/>
           <p:cNvSpPr>
             <a:spLocks noGrp="1"/>
           </p:cNvSpPr>
@@ -2471,7 +2471,7 @@
       </p:sp>
       <p:sp>
         <p:nvSpPr>
-          <p:cNvPr id="4" name="Text Placeholder 3"/>
+          <p:cNvPr id="4" name="Text Placeholder 3" title=""/>
           <p:cNvSpPr>
             <a:spLocks noGrp="1"/>
           </p:cNvSpPr>
@@ -2530,7 +2530,7 @@
       </p:sp>
       <p:sp>
         <p:nvSpPr>
-          <p:cNvPr id="5" name="Date Placeholder 4"/>
+          <p:cNvPr id="5" name="Date Placeholder 4" title=""/>
           <p:cNvSpPr>
             <a:spLocks noGrp="1"/>
           </p:cNvSpPr>
@@ -2543,7 +2543,7 @@
           <a:bodyPr/>
           <a:lstStyle/>
           <a:p>
-            <a:fld id="{7A3C10D0-2BA6-4AB6-B359-84432A838BAD}" type="datetimeFigureOut">
+            <a:fld id="{0E5039C3-BDCE-4332-BCEE-D34779A35DBF}" type="datetimeFigureOut">
               <a:rPr lang="en-US" smtClean="0"/>
               <a:t>11/7/2009</a:t>
             </a:fld>
@@ -2553,7 +2553,7 @@
       </p:sp>
       <p:sp>
         <p:nvSpPr>
-          <p:cNvPr id="6" name="Footer Placeholder 5"/>
+          <p:cNvPr id="6" name="Footer Placeholder 5" title=""/>
           <p:cNvSpPr>
             <a:spLocks noGrp="1"/>
           </p:cNvSpPr>
@@ -2572,7 +2572,7 @@
       </p:sp>
       <p:sp>
         <p:nvSpPr>
-          <p:cNvPr id="7" name="Slide Number Placeholder 6"/>
+          <p:cNvPr id="7" name="Slide Number Placeholder 6" title=""/>
           <p:cNvSpPr>
             <a:spLocks noGrp="1"/>
           </p:cNvSpPr>
@@ -2604,7 +2604,7 @@
 </file>
 
 <file path=ppt/slideMasters/slideMaster1.xml><?xml version="1.0" encoding="utf-8"?>
-<p:sldMaster xmlns:a="http://schemas.openxmlformats.org/drawingml/2006/main" xmlns:r="http://schemas.openxmlformats.org/officeDocument/2006/relationships" xmlns:p14="http://schemas.microsoft.com/office/powerpoint/2010/main" xmlns:a14="http://schemas.microsoft.com/office/drawing/2010/main" xmlns:p15="http://schemas.microsoft.com/office/powerpoint/2012/main" xmlns:p159="http://schemas.microsoft.com/office/powerpoint/2015/09/main" xmlns:p="http://schemas.openxmlformats.org/presentationml/2006/main">
+<p:sldMaster xmlns:a="http://schemas.openxmlformats.org/drawingml/2006/main" xmlns:r="http://schemas.openxmlformats.org/officeDocument/2006/relationships" xmlns:m="http://schemas.openxmlformats.org/officeDocument/2006/math" xmlns:w="http://schemas.openxmlformats.org/wordprocessingml/2006/main" xmlns:wp="http://schemas.openxmlformats.org/drawingml/2006/wordprocessingDrawing" xmlns:a14="http://schemas.microsoft.com/office/drawing/2010/main" xmlns:mc="http://schemas.openxmlformats.org/markup-compatibility/2006" xmlns:p14="http://schemas.microsoft.com/office/powerpoint/2010/main" xmlns:p15="http://schemas.microsoft.com/office/powerpoint/2012/main" xmlns:p159="http://schemas.microsoft.com/office/powerpoint/2015/09/main" xmlns:p="http://schemas.openxmlformats.org/presentationml/2006/main">
   <p:cSld>
     <p:bg>
       <p:bgRef idx="1001">
@@ -2613,7 +2613,7 @@
     </p:bg>
     <p:spTree>
       <p:nvGrpSpPr>
-        <p:cNvPr id="1" name=""/>
+        <p:cNvPr id="1" name="" title=""/>
         <p:cNvGrpSpPr/>
         <p:nvPr/>
       </p:nvGrpSpPr>
@@ -2625,7 +2625,7 @@
       </p:grpSpPr>
       <p:sp>
         <p:nvSpPr>
-          <p:cNvPr id="2" name="Title Placeholder 1"/>
+          <p:cNvPr id="2" name="Title Placeholder 1" title=""/>
           <p:cNvSpPr>
             <a:spLocks noGrp="1"/>
           </p:cNvSpPr>
@@ -2658,7 +2658,7 @@
       </p:sp>
       <p:sp>
         <p:nvSpPr>
-          <p:cNvPr id="3" name="Text Placeholder 2"/>
+          <p:cNvPr id="3" name="Text Placeholder 2" title=""/>
           <p:cNvSpPr>
             <a:spLocks noGrp="1"/>
           </p:cNvSpPr>
@@ -2719,7 +2719,7 @@
       </p:sp>
       <p:sp>
         <p:nvSpPr>
-          <p:cNvPr id="4" name="Date Placeholder 3"/>
+          <p:cNvPr id="4" name="Date Placeholder 3" title=""/>
           <p:cNvSpPr>
             <a:spLocks noGrp="1"/>
           </p:cNvSpPr>
@@ -2760,7 +2760,7 @@
       </p:sp>
       <p:sp>
         <p:nvSpPr>
-          <p:cNvPr id="5" name="Footer Placeholder 4"/>
+          <p:cNvPr id="5" name="Footer Placeholder 4" title=""/>
           <p:cNvSpPr>
             <a:spLocks noGrp="1"/>
           </p:cNvSpPr>
@@ -2797,7 +2797,7 @@
       </p:sp>
       <p:sp>
         <p:nvSpPr>
-          <p:cNvPr id="6" name="Slide Number Placeholder 5"/>
+          <p:cNvPr id="6" name="Slide Number Placeholder 5" title=""/>
           <p:cNvSpPr>
             <a:spLocks noGrp="1"/>
           </p:cNvSpPr>
@@ -3108,11 +3108,11 @@
 </file>
 
 <file path=ppt/slides/slide1.xml><?xml version="1.0" encoding="utf-8"?>
-<p:sld xmlns:a="http://schemas.openxmlformats.org/drawingml/2006/main" xmlns:r="http://schemas.openxmlformats.org/officeDocument/2006/relationships" xmlns:p14="http://schemas.microsoft.com/office/powerpoint/2010/main" xmlns:a14="http://schemas.microsoft.com/office/drawing/2010/main" xmlns:p15="http://schemas.microsoft.com/office/powerpoint/2012/main" xmlns:p159="http://schemas.microsoft.com/office/powerpoint/2015/09/main" xmlns:p="http://schemas.openxmlformats.org/presentationml/2006/main">
+<p:sld xmlns:a="http://schemas.openxmlformats.org/drawingml/2006/main" xmlns:r="http://schemas.openxmlformats.org/officeDocument/2006/relationships" xmlns:m="http://schemas.openxmlformats.org/officeDocument/2006/math" xmlns:w="http://schemas.openxmlformats.org/wordprocessingml/2006/main" xmlns:wp="http://schemas.openxmlformats.org/drawingml/2006/wordprocessingDrawing" xmlns:a14="http://schemas.microsoft.com/office/drawing/2010/main" xmlns:mc="http://schemas.openxmlformats.org/markup-compatibility/2006" xmlns:p14="http://schemas.microsoft.com/office/powerpoint/2010/main" xmlns:p15="http://schemas.microsoft.com/office/powerpoint/2012/main" xmlns:p159="http://schemas.microsoft.com/office/powerpoint/2015/09/main" xmlns:p="http://schemas.openxmlformats.org/presentationml/2006/main">
   <p:cSld name="">
     <p:spTree>
       <p:nvGrpSpPr>
-        <p:cNvPr id="1" name=""/>
+        <p:cNvPr id="1" name="" title=""/>
         <p:cNvGrpSpPr/>
         <p:nvPr/>
       </p:nvGrpSpPr>
@@ -3124,7 +3124,7 @@
       </p:grpSpPr>
       <p:graphicFrame>
         <p:nvGraphicFramePr>
-          <p:cNvPr id="2" name="ChartObject"/>
+          <p:cNvPr id="2" name="ChartObject" title=""/>
           <p:cNvGraphicFramePr/>
           <p:nvPr/>
         </p:nvGraphicFramePr>
@@ -3138,6 +3138,77 @@
           </a:graphicData>
         </a:graphic>
       </p:graphicFrame>
+      <p:sp>
+        <p:nvSpPr>
+          <p:cNvPr id="3" name="TextBox"/>
+          <p:cNvSpPr txBox="1">
+            <a:spLocks noGrp="1" noSelect="1" noRot="1" noMove="1"/>
+          </p:cNvSpPr>
+          <p:nvPr/>
+        </p:nvSpPr>
+        <p:spPr>
+          <a:xfrm>
+            <a:off x="1366520" y="2644140"/>
+            <a:ext cx="6411372" cy="1569660"/>
+          </a:xfrm>
+          <a:prstGeom prst="rect">
+            <a:avLst/>
+          </a:prstGeom>
+          <a:noFill/>
+        </p:spPr>
+        <p:txBody>
+          <a:bodyPr wrap="none" rtlCol="0" anchor="ctr" anchorCtr="1">
+            <a:spAutoFit/>
+          </a:bodyPr>
+          <a:lstStyle>
+            <a:lvl1pPr algn="l">
+              <a:lnSpc>
+                <a:spcPct val="150000"/>
+              </a:lnSpc>
+              <a:spcBef>
+                <a:spcPct val="0"/>
+              </a:spcBef>
+              <a:spcAft>
+                <a:spcPct val="0"/>
+              </a:spcAft>
+              <a:defRPr lang="en-US" sz="3200" b="1" noProof="1" dirty="0">
+                <a:solidFill>
+                  <a:prstClr val="red">
+                    <a:lumOff val="30000"/>
+                    <a:alpha val="40000"/>
+                  </a:prstClr>
+                </a:solidFill>
+                <a:effectLst>
+                  <a:outerShdw blurRad="50800" dist="38100" algn="tr" rotWithShape="0">
+                    <a:prstClr val="black">
+                      <a:alpha val="80000"/>
+                    </a:prstClr>
+                  </a:outerShdw>
+                </a:effectLst>
+                <a:latin typeface="Calibri" pitchFamily="34" charset="0"/>
+              </a:defRPr>
+            </a:lvl1pPr>
+          </a:lstStyle>
+          <a:p>
+            <a:pPr algn="ctr"/>
+            <a:r>
+              <a:t>Evaluation only.</a:t>
+            </a:r>
+          </a:p>
+          <a:p>
+            <a:pPr algn="ctr"/>
+            <a:r>
+              <a:t>Created with Aspose.Slides for .NET 4.0 Client Profile 21.12.</a:t>
+            </a:r>
+          </a:p>
+          <a:p>
+            <a:pPr algn="ctr"/>
+            <a:r>
+              <a:t>Copyright 2004-2021Aspose Pty Ltd.</a:t>
+            </a:r>
+          </a:p>
+        </p:txBody>
+      </p:sp>
     </p:spTree>
   </p:cSld>
   <p:clrMapOvr>
@@ -3151,10 +3222,10 @@
 <file path=ppt/tags/tag1.xml><?xml version="1.0" encoding="utf-8"?>
 <p:tagLst xmlns:p="http://schemas.openxmlformats.org/presentationml/2006/main">
   <p:tag name="AS_NET" val="4.0.30319.42000"/>
-  <p:tag name="AS_OS" val="Microsoft Windows NT 6.2.9200.0"/>
-  <p:tag name="AS_RELEASE_DATE" val="2019.06.14"/>
+  <p:tag name="AS_OS" val="Microsoft Windows NT 6.3.9600.0"/>
+  <p:tag name="AS_RELEASE_DATE" val="2021.12.14"/>
   <p:tag name="AS_TITLE" val="Aspose.Slides for .NET 4.0 Client Profile"/>
-  <p:tag name="AS_VERSION" val="19.6"/>
+  <p:tag name="AS_VERSION" val="21.12"/>
 </p:tagLst>
 </file>
 
